--- a/ppt/파이썬_2주차.pptx
+++ b/ppt/파이썬_2주차.pptx
@@ -217,7 +217,7 @@
           <a:p>
             <a:fld id="{F7D96416-5E81-4809-A71B-38A9182116D4}" type="datetimeFigureOut">
               <a:rPr lang="ko-KR" altLang="en-US" smtClean="0"/>
-              <a:t>2021-03-06</a:t>
+              <a:t>2021-03-08</a:t>
             </a:fld>
             <a:endParaRPr lang="ko-KR" altLang="en-US"/>
           </a:p>
@@ -4218,31 +4218,77 @@
           </a:p>
         </p:txBody>
       </p:sp>
-      <p:sp>
-        <p:nvSpPr>
-          <p:cNvPr id="3" name="내용 개체 틀 2">
-            <a:extLst>
-              <a:ext uri="{FF2B5EF4-FFF2-40B4-BE49-F238E27FC236}">
-                <a16:creationId xmlns:a16="http://schemas.microsoft.com/office/drawing/2014/main" id="{A86126BA-B708-4FCF-AE3B-CFBF4537BD5B}"/>
-              </a:ext>
-            </a:extLst>
-          </p:cNvPr>
-          <p:cNvSpPr>
-            <a:spLocks noGrp="1"/>
-          </p:cNvSpPr>
+      <p:pic>
+        <p:nvPicPr>
+          <p:cNvPr id="5" name="내용 개체 틀 4" descr="텍스트이(가) 표시된 사진&#10;&#10;자동 생성된 설명">
+            <a:extLst>
+              <a:ext uri="{FF2B5EF4-FFF2-40B4-BE49-F238E27FC236}">
+                <a16:creationId xmlns:a16="http://schemas.microsoft.com/office/drawing/2014/main" id="{78FD51C1-512E-4FD1-B812-10F4212DC47D}"/>
+              </a:ext>
+            </a:extLst>
+          </p:cNvPr>
+          <p:cNvPicPr>
+            <a:picLocks noGrp="1" noChangeAspect="1"/>
+          </p:cNvPicPr>
           <p:nvPr>
             <p:ph idx="1"/>
           </p:nvPr>
-        </p:nvSpPr>
-        <p:spPr/>
-        <p:txBody>
-          <a:bodyPr/>
-          <a:lstStyle/>
-          <a:p>
-            <a:endParaRPr lang="ko-KR" altLang="en-US"/>
-          </a:p>
-        </p:txBody>
-      </p:sp>
+        </p:nvPicPr>
+        <p:blipFill>
+          <a:blip r:embed="rId2">
+            <a:extLst>
+              <a:ext uri="{28A0092B-C50C-407E-A947-70E740481C1C}">
+                <a14:useLocalDpi xmlns:a14="http://schemas.microsoft.com/office/drawing/2010/main" val="0"/>
+              </a:ext>
+            </a:extLst>
+          </a:blip>
+          <a:stretch>
+            <a:fillRect/>
+          </a:stretch>
+        </p:blipFill>
+        <p:spPr>
+          <a:xfrm rot="5400000">
+            <a:off x="4278291" y="2669267"/>
+            <a:ext cx="4357783" cy="3268336"/>
+          </a:xfrm>
+        </p:spPr>
+      </p:pic>
+      <p:pic>
+        <p:nvPicPr>
+          <p:cNvPr id="7" name="그림 6" descr="텍스트이(가) 표시된 사진&#10;&#10;자동 생성된 설명">
+            <a:extLst>
+              <a:ext uri="{FF2B5EF4-FFF2-40B4-BE49-F238E27FC236}">
+                <a16:creationId xmlns:a16="http://schemas.microsoft.com/office/drawing/2014/main" id="{FF162D5D-77FE-4CB2-9B9A-5855E6A39025}"/>
+              </a:ext>
+            </a:extLst>
+          </p:cNvPr>
+          <p:cNvPicPr>
+            <a:picLocks noChangeAspect="1"/>
+          </p:cNvPicPr>
+          <p:nvPr/>
+        </p:nvPicPr>
+        <p:blipFill>
+          <a:blip r:embed="rId3">
+            <a:extLst>
+              <a:ext uri="{28A0092B-C50C-407E-A947-70E740481C1C}">
+                <a14:useLocalDpi xmlns:a14="http://schemas.microsoft.com/office/drawing/2010/main" val="0"/>
+              </a:ext>
+            </a:extLst>
+          </a:blip>
+          <a:stretch>
+            <a:fillRect/>
+          </a:stretch>
+        </p:blipFill>
+        <p:spPr>
+          <a:xfrm rot="5400000">
+            <a:off x="507928" y="2669267"/>
+            <a:ext cx="4357782" cy="3268336"/>
+          </a:xfrm>
+          <a:prstGeom prst="rect">
+            <a:avLst/>
+          </a:prstGeom>
+        </p:spPr>
+      </p:pic>
     </p:spTree>
     <p:extLst>
       <p:ext uri="{BB962C8B-B14F-4D97-AF65-F5344CB8AC3E}">
